--- a/Alarm System Flow.pptx
+++ b/Alarm System Flow.pptx
@@ -5055,6 +5055,223 @@
               <a:rPr lang="en-US" sz="1600" dirty="0"/>
               <a:t>* Note: Receiver used 2 or 3 module</a:t>
             </a:r>
+          </a:p>
+        </p:txBody>
+      </p:sp>
+      <p:sp>
+        <p:nvSpPr>
+          <p:cNvPr id="2" name="TextBox 1">
+            <a:extLst>
+              <a:ext uri="{FF2B5EF4-FFF2-40B4-BE49-F238E27FC236}">
+                <a16:creationId xmlns:a16="http://schemas.microsoft.com/office/drawing/2014/main" id="{7780EF48-C805-E361-DCAF-F8F5F66F97AE}"/>
+              </a:ext>
+            </a:extLst>
+          </p:cNvPr>
+          <p:cNvSpPr txBox="1"/>
+          <p:nvPr/>
+        </p:nvSpPr>
+        <p:spPr>
+          <a:xfrm>
+            <a:off x="7353621" y="5978117"/>
+            <a:ext cx="2191626" cy="523220"/>
+          </a:xfrm>
+          <a:prstGeom prst="rect">
+            <a:avLst/>
+          </a:prstGeom>
+          <a:noFill/>
+        </p:spPr>
+        <p:txBody>
+          <a:bodyPr wrap="none" rtlCol="0">
+            <a:spAutoFit/>
+          </a:bodyPr>
+          <a:lstStyle/>
+          <a:p>
+            <a:r>
+              <a:rPr lang="en-US" sz="2800" b="1" dirty="0" err="1">
+                <a:solidFill>
+                  <a:schemeClr val="bg1">
+                    <a:lumMod val="75000"/>
+                  </a:schemeClr>
+                </a:solidFill>
+                <a:latin typeface="Berlin" panose="03010501020101010101" pitchFamily="66" charset="0"/>
+              </a:rPr>
+              <a:t>lnwIQ</a:t>
+            </a:r>
+            <a:r>
+              <a:rPr lang="en-US" sz="2800" b="1" dirty="0">
+                <a:solidFill>
+                  <a:schemeClr val="bg1">
+                    <a:lumMod val="75000"/>
+                  </a:schemeClr>
+                </a:solidFill>
+                <a:latin typeface="Berlin" panose="03010501020101010101" pitchFamily="66" charset="0"/>
+              </a:rPr>
+              <a:t> Sound</a:t>
+            </a:r>
+          </a:p>
+        </p:txBody>
+      </p:sp>
+      <p:sp>
+        <p:nvSpPr>
+          <p:cNvPr id="3" name="TextBox 2">
+            <a:extLst>
+              <a:ext uri="{FF2B5EF4-FFF2-40B4-BE49-F238E27FC236}">
+                <a16:creationId xmlns:a16="http://schemas.microsoft.com/office/drawing/2014/main" id="{BBF281B9-E84A-80A1-89F4-ED90A90DC93E}"/>
+              </a:ext>
+            </a:extLst>
+          </p:cNvPr>
+          <p:cNvSpPr txBox="1"/>
+          <p:nvPr/>
+        </p:nvSpPr>
+        <p:spPr>
+          <a:xfrm>
+            <a:off x="7363453" y="6474991"/>
+            <a:ext cx="2307042" cy="461665"/>
+          </a:xfrm>
+          <a:prstGeom prst="rect">
+            <a:avLst/>
+          </a:prstGeom>
+          <a:noFill/>
+        </p:spPr>
+        <p:txBody>
+          <a:bodyPr wrap="none" rtlCol="0">
+            <a:spAutoFit/>
+          </a:bodyPr>
+          <a:lstStyle/>
+          <a:p>
+            <a:r>
+              <a:rPr lang="th-TH" sz="2400" b="1" dirty="0">
+                <a:solidFill>
+                  <a:schemeClr val="bg1">
+                    <a:lumMod val="75000"/>
+                  </a:schemeClr>
+                </a:solidFill>
+                <a:latin typeface="Berlin" panose="03010501020101010101" pitchFamily="66" charset="0"/>
+              </a:rPr>
+              <a:t>หมู่บ้านสุริยาเพอร</a:t>
+            </a:r>
+            <a:r>
+              <a:rPr lang="th-TH" sz="2400" b="1" dirty="0" err="1">
+                <a:solidFill>
+                  <a:schemeClr val="bg1">
+                    <a:lumMod val="75000"/>
+                  </a:schemeClr>
+                </a:solidFill>
+                <a:latin typeface="Berlin" panose="03010501020101010101" pitchFamily="66" charset="0"/>
+              </a:rPr>
+              <a:t>์เฟค</a:t>
+            </a:r>
+            <a:r>
+              <a:rPr lang="th-TH" sz="2400" b="1" dirty="0">
+                <a:solidFill>
+                  <a:schemeClr val="bg1">
+                    <a:lumMod val="75000"/>
+                  </a:schemeClr>
+                </a:solidFill>
+                <a:latin typeface="Berlin" panose="03010501020101010101" pitchFamily="66" charset="0"/>
+              </a:rPr>
+              <a:t> </a:t>
+            </a:r>
+            <a:endParaRPr lang="en-US" sz="2400" b="1" dirty="0">
+              <a:solidFill>
+                <a:schemeClr val="bg1">
+                  <a:lumMod val="75000"/>
+                </a:schemeClr>
+              </a:solidFill>
+              <a:latin typeface="Berlin" panose="03010501020101010101" pitchFamily="66" charset="0"/>
+            </a:endParaRPr>
+          </a:p>
+        </p:txBody>
+      </p:sp>
+      <p:sp>
+        <p:nvSpPr>
+          <p:cNvPr id="6" name="TextBox 5">
+            <a:extLst>
+              <a:ext uri="{FF2B5EF4-FFF2-40B4-BE49-F238E27FC236}">
+                <a16:creationId xmlns:a16="http://schemas.microsoft.com/office/drawing/2014/main" id="{26870D82-A1B4-3FDD-2109-40FFDBCF1CB9}"/>
+              </a:ext>
+            </a:extLst>
+          </p:cNvPr>
+          <p:cNvSpPr txBox="1"/>
+          <p:nvPr/>
+        </p:nvSpPr>
+        <p:spPr>
+          <a:xfrm>
+            <a:off x="9412251" y="6393772"/>
+            <a:ext cx="401072" cy="523220"/>
+          </a:xfrm>
+          <a:prstGeom prst="rect">
+            <a:avLst/>
+          </a:prstGeom>
+          <a:noFill/>
+        </p:spPr>
+        <p:txBody>
+          <a:bodyPr wrap="none" rtlCol="0">
+            <a:spAutoFit/>
+          </a:bodyPr>
+          <a:lstStyle/>
+          <a:p>
+            <a:r>
+              <a:rPr lang="en-US" sz="2800" b="1" dirty="0">
+                <a:solidFill>
+                  <a:schemeClr val="bg1">
+                    <a:lumMod val="75000"/>
+                  </a:schemeClr>
+                </a:solidFill>
+                <a:latin typeface="Berlin" panose="03010501020101010101" pitchFamily="66" charset="0"/>
+              </a:rPr>
+              <a:t>2</a:t>
+            </a:r>
+          </a:p>
+        </p:txBody>
+      </p:sp>
+      <p:sp>
+        <p:nvSpPr>
+          <p:cNvPr id="7" name="TextBox 6">
+            <a:extLst>
+              <a:ext uri="{FF2B5EF4-FFF2-40B4-BE49-F238E27FC236}">
+                <a16:creationId xmlns:a16="http://schemas.microsoft.com/office/drawing/2014/main" id="{155C87B7-1CF0-0102-DE24-D48BCF61FDCA}"/>
+              </a:ext>
+            </a:extLst>
+          </p:cNvPr>
+          <p:cNvSpPr txBox="1"/>
+          <p:nvPr/>
+        </p:nvSpPr>
+        <p:spPr>
+          <a:xfrm>
+            <a:off x="5066430" y="6474991"/>
+            <a:ext cx="2444900" cy="461665"/>
+          </a:xfrm>
+          <a:prstGeom prst="rect">
+            <a:avLst/>
+          </a:prstGeom>
+          <a:noFill/>
+        </p:spPr>
+        <p:txBody>
+          <a:bodyPr wrap="none" rtlCol="0">
+            <a:spAutoFit/>
+          </a:bodyPr>
+          <a:lstStyle/>
+          <a:p>
+            <a:r>
+              <a:rPr lang="th-TH" sz="2400" b="1" dirty="0">
+                <a:solidFill>
+                  <a:schemeClr val="bg1">
+                    <a:lumMod val="75000"/>
+                  </a:schemeClr>
+                </a:solidFill>
+                <a:latin typeface="Berlin" panose="03010501020101010101" pitchFamily="66" charset="0"/>
+              </a:rPr>
+              <a:t>จัดทำโดย คณะกรรมการ</a:t>
+            </a:r>
+            <a:endParaRPr lang="en-US" sz="2400" b="1" dirty="0">
+              <a:solidFill>
+                <a:schemeClr val="bg1">
+                  <a:lumMod val="75000"/>
+                </a:schemeClr>
+              </a:solidFill>
+              <a:latin typeface="Berlin" panose="03010501020101010101" pitchFamily="66" charset="0"/>
+            </a:endParaRPr>
           </a:p>
         </p:txBody>
       </p:sp>
